--- a/수업/3. HTML (2), CSS(1)/PPT/3. HTML (2), CSS(1).pptx
+++ b/수업/3. HTML (2), CSS(1)/PPT/3. HTML (2), CSS(1).pptx
@@ -24,10 +24,6 @@
     <p:sldId id="287" r:id="rId18"/>
     <p:sldId id="288" r:id="rId19"/>
     <p:sldId id="289" r:id="rId20"/>
-    <p:sldId id="290" r:id="rId21"/>
-    <p:sldId id="291" r:id="rId22"/>
-    <p:sldId id="292" r:id="rId23"/>
-    <p:sldId id="293" r:id="rId24"/>
   </p:sldIdLst>
   <p:sldSz cx="12192000" cy="6858000"/>
   <p:notesSz cx="6858000" cy="9144000"/>
@@ -281,7 +277,7 @@
           <a:p>
             <a:fld id="{4239A63C-2C4F-4121-8716-2FDEA5805B65}" type="datetimeFigureOut">
               <a:rPr lang="ko-KR" altLang="en-US" smtClean="0"/>
-              <a:t>2021-09-13</a:t>
+              <a:t>2021-09-15</a:t>
             </a:fld>
             <a:endParaRPr lang="ko-KR" altLang="en-US"/>
           </a:p>
@@ -479,7 +475,7 @@
           <a:p>
             <a:fld id="{4239A63C-2C4F-4121-8716-2FDEA5805B65}" type="datetimeFigureOut">
               <a:rPr lang="ko-KR" altLang="en-US" smtClean="0"/>
-              <a:t>2021-09-13</a:t>
+              <a:t>2021-09-15</a:t>
             </a:fld>
             <a:endParaRPr lang="ko-KR" altLang="en-US"/>
           </a:p>
@@ -687,7 +683,7 @@
           <a:p>
             <a:fld id="{4239A63C-2C4F-4121-8716-2FDEA5805B65}" type="datetimeFigureOut">
               <a:rPr lang="ko-KR" altLang="en-US" smtClean="0"/>
-              <a:t>2021-09-13</a:t>
+              <a:t>2021-09-15</a:t>
             </a:fld>
             <a:endParaRPr lang="ko-KR" altLang="en-US"/>
           </a:p>
@@ -885,7 +881,7 @@
           <a:p>
             <a:fld id="{4239A63C-2C4F-4121-8716-2FDEA5805B65}" type="datetimeFigureOut">
               <a:rPr lang="ko-KR" altLang="en-US" smtClean="0"/>
-              <a:t>2021-09-13</a:t>
+              <a:t>2021-09-15</a:t>
             </a:fld>
             <a:endParaRPr lang="ko-KR" altLang="en-US"/>
           </a:p>
@@ -1160,7 +1156,7 @@
           <a:p>
             <a:fld id="{4239A63C-2C4F-4121-8716-2FDEA5805B65}" type="datetimeFigureOut">
               <a:rPr lang="ko-KR" altLang="en-US" smtClean="0"/>
-              <a:t>2021-09-13</a:t>
+              <a:t>2021-09-15</a:t>
             </a:fld>
             <a:endParaRPr lang="ko-KR" altLang="en-US"/>
           </a:p>
@@ -1425,7 +1421,7 @@
           <a:p>
             <a:fld id="{4239A63C-2C4F-4121-8716-2FDEA5805B65}" type="datetimeFigureOut">
               <a:rPr lang="ko-KR" altLang="en-US" smtClean="0"/>
-              <a:t>2021-09-13</a:t>
+              <a:t>2021-09-15</a:t>
             </a:fld>
             <a:endParaRPr lang="ko-KR" altLang="en-US"/>
           </a:p>
@@ -1837,7 +1833,7 @@
           <a:p>
             <a:fld id="{4239A63C-2C4F-4121-8716-2FDEA5805B65}" type="datetimeFigureOut">
               <a:rPr lang="ko-KR" altLang="en-US" smtClean="0"/>
-              <a:t>2021-09-13</a:t>
+              <a:t>2021-09-15</a:t>
             </a:fld>
             <a:endParaRPr lang="ko-KR" altLang="en-US"/>
           </a:p>
@@ -1978,7 +1974,7 @@
           <a:p>
             <a:fld id="{4239A63C-2C4F-4121-8716-2FDEA5805B65}" type="datetimeFigureOut">
               <a:rPr lang="ko-KR" altLang="en-US" smtClean="0"/>
-              <a:t>2021-09-13</a:t>
+              <a:t>2021-09-15</a:t>
             </a:fld>
             <a:endParaRPr lang="ko-KR" altLang="en-US"/>
           </a:p>
@@ -2091,7 +2087,7 @@
           <a:p>
             <a:fld id="{4239A63C-2C4F-4121-8716-2FDEA5805B65}" type="datetimeFigureOut">
               <a:rPr lang="ko-KR" altLang="en-US" smtClean="0"/>
-              <a:t>2021-09-13</a:t>
+              <a:t>2021-09-15</a:t>
             </a:fld>
             <a:endParaRPr lang="ko-KR" altLang="en-US"/>
           </a:p>
@@ -2402,7 +2398,7 @@
           <a:p>
             <a:fld id="{4239A63C-2C4F-4121-8716-2FDEA5805B65}" type="datetimeFigureOut">
               <a:rPr lang="ko-KR" altLang="en-US" smtClean="0"/>
-              <a:t>2021-09-13</a:t>
+              <a:t>2021-09-15</a:t>
             </a:fld>
             <a:endParaRPr lang="ko-KR" altLang="en-US"/>
           </a:p>
@@ -2690,7 +2686,7 @@
           <a:p>
             <a:fld id="{4239A63C-2C4F-4121-8716-2FDEA5805B65}" type="datetimeFigureOut">
               <a:rPr lang="ko-KR" altLang="en-US" smtClean="0"/>
-              <a:t>2021-09-13</a:t>
+              <a:t>2021-09-15</a:t>
             </a:fld>
             <a:endParaRPr lang="ko-KR" altLang="en-US"/>
           </a:p>
@@ -2931,7 +2927,7 @@
           <a:p>
             <a:fld id="{4239A63C-2C4F-4121-8716-2FDEA5805B65}" type="datetimeFigureOut">
               <a:rPr lang="ko-KR" altLang="en-US" smtClean="0"/>
-              <a:t>2021-09-13</a:t>
+              <a:t>2021-09-15</a:t>
             </a:fld>
             <a:endParaRPr lang="ko-KR" altLang="en-US"/>
           </a:p>
@@ -5999,958 +5995,6 @@
 </p:sld>
 </file>
 
-<file path=ppt/slides/slide20.xml><?xml version="1.0" encoding="utf-8"?>
-<p:sld xmlns:a="http://schemas.openxmlformats.org/drawingml/2006/main" xmlns:r="http://schemas.openxmlformats.org/officeDocument/2006/relationships" xmlns:p="http://schemas.openxmlformats.org/presentationml/2006/main">
-  <p:cSld>
-    <p:spTree>
-      <p:nvGrpSpPr>
-        <p:cNvPr id="1" name=""/>
-        <p:cNvGrpSpPr/>
-        <p:nvPr/>
-      </p:nvGrpSpPr>
-      <p:grpSpPr>
-        <a:xfrm>
-          <a:off x="0" y="0"/>
-          <a:ext cx="0" cy="0"/>
-          <a:chOff x="0" y="0"/>
-          <a:chExt cx="0" cy="0"/>
-        </a:xfrm>
-      </p:grpSpPr>
-      <p:sp>
-        <p:nvSpPr>
-          <p:cNvPr id="2" name="제목 1">
-            <a:extLst>
-              <a:ext uri="{FF2B5EF4-FFF2-40B4-BE49-F238E27FC236}">
-                <a16:creationId xmlns:a16="http://schemas.microsoft.com/office/drawing/2014/main" id="{52B4BFEA-C23C-4A89-8653-79D41DBF44D3}"/>
-              </a:ext>
-            </a:extLst>
-          </p:cNvPr>
-          <p:cNvSpPr>
-            <a:spLocks noGrp="1"/>
-          </p:cNvSpPr>
-          <p:nvPr>
-            <p:ph type="title"/>
-          </p:nvPr>
-        </p:nvSpPr>
-        <p:spPr/>
-        <p:txBody>
-          <a:bodyPr/>
-          <a:lstStyle/>
-          <a:p>
-            <a:r>
-              <a:rPr lang="ko-KR" altLang="en-US"/>
-              <a:t>박스모델</a:t>
-            </a:r>
-          </a:p>
-        </p:txBody>
-      </p:sp>
-      <p:sp>
-        <p:nvSpPr>
-          <p:cNvPr id="3" name="내용 개체 틀 2">
-            <a:extLst>
-              <a:ext uri="{FF2B5EF4-FFF2-40B4-BE49-F238E27FC236}">
-                <a16:creationId xmlns:a16="http://schemas.microsoft.com/office/drawing/2014/main" id="{29CF55FA-6EAB-41C3-A262-330B01EBF042}"/>
-              </a:ext>
-            </a:extLst>
-          </p:cNvPr>
-          <p:cNvSpPr>
-            <a:spLocks noGrp="1"/>
-          </p:cNvSpPr>
-          <p:nvPr>
-            <p:ph idx="1"/>
-          </p:nvPr>
-        </p:nvSpPr>
-        <p:spPr>
-          <a:xfrm>
-            <a:off x="838200" y="1825625"/>
-            <a:ext cx="10515600" cy="4667250"/>
-          </a:xfrm>
-        </p:spPr>
-        <p:txBody>
-          <a:bodyPr>
-            <a:normAutofit/>
-          </a:bodyPr>
-          <a:lstStyle/>
-          <a:p>
-            <a:r>
-              <a:rPr lang="ko-KR" altLang="en-US"/>
-              <a:t>모든 태그는 박스</a:t>
-            </a:r>
-            <a:r>
-              <a:rPr lang="en-US" altLang="ko-KR"/>
-              <a:t>(Box)</a:t>
-            </a:r>
-            <a:r>
-              <a:rPr lang="ko-KR" altLang="en-US"/>
-              <a:t>로 이루어져있다</a:t>
-            </a:r>
-            <a:r>
-              <a:rPr lang="en-US" altLang="ko-KR"/>
-              <a:t>.</a:t>
-            </a:r>
-          </a:p>
-          <a:p>
-            <a:pPr lvl="1"/>
-            <a:r>
-              <a:rPr lang="ko-KR" altLang="en-US"/>
-              <a:t>구글 개발자도구</a:t>
-            </a:r>
-            <a:r>
-              <a:rPr lang="en-US" altLang="ko-KR"/>
-              <a:t>(F12)</a:t>
-            </a:r>
-            <a:r>
-              <a:rPr lang="ko-KR" altLang="en-US"/>
-              <a:t> </a:t>
-            </a:r>
-            <a:r>
-              <a:rPr lang="en-US" altLang="ko-KR"/>
-              <a:t>element </a:t>
-            </a:r>
-            <a:r>
-              <a:rPr lang="ko-KR" altLang="en-US"/>
-              <a:t>부분 참조</a:t>
-            </a:r>
-            <a:endParaRPr lang="en-US" altLang="ko-KR"/>
-          </a:p>
-          <a:p>
-            <a:pPr marL="457200" lvl="1" indent="0">
-              <a:buNone/>
-            </a:pPr>
-            <a:endParaRPr lang="en-US" altLang="ko-KR"/>
-          </a:p>
-          <a:p>
-            <a:r>
-              <a:rPr lang="ko-KR" altLang="en-US" sz="2400"/>
-              <a:t> </a:t>
-            </a:r>
-            <a:r>
-              <a:rPr lang="en-US" altLang="ko-KR" sz="2400"/>
-              <a:t>border	</a:t>
-            </a:r>
-            <a:r>
-              <a:rPr lang="ko-KR" altLang="en-US" sz="2400"/>
-              <a:t>태그를 둘러싸는 경계선</a:t>
-            </a:r>
-          </a:p>
-          <a:p>
-            <a:r>
-              <a:rPr lang="ko-KR" altLang="en-US" sz="2400"/>
-              <a:t> </a:t>
-            </a:r>
-            <a:r>
-              <a:rPr lang="en-US" altLang="ko-KR" sz="2400"/>
-              <a:t>padding	</a:t>
-            </a:r>
-            <a:r>
-              <a:rPr lang="ko-KR" altLang="en-US" sz="2400"/>
-              <a:t>태그의 컨텐츠와 보더간의 간격</a:t>
-            </a:r>
-          </a:p>
-          <a:p>
-            <a:r>
-              <a:rPr lang="ko-KR" altLang="en-US" sz="2400"/>
-              <a:t> </a:t>
-            </a:r>
-            <a:r>
-              <a:rPr lang="en-US" altLang="ko-KR" sz="2400"/>
-              <a:t>margin	</a:t>
-            </a:r>
-            <a:r>
-              <a:rPr lang="ko-KR" altLang="en-US" sz="2400"/>
-              <a:t>태그와 태그간의 간격</a:t>
-            </a:r>
-            <a:endParaRPr lang="en-US" altLang="ko-KR" sz="2400"/>
-          </a:p>
-          <a:p>
-            <a:pPr marL="0" indent="0">
-              <a:buNone/>
-            </a:pPr>
-            <a:r>
-              <a:rPr lang="en-US" altLang="ko-KR" sz="2400"/>
-              <a:t>		</a:t>
-            </a:r>
-            <a:r>
-              <a:rPr lang="ko-KR" altLang="en-US" sz="2400"/>
-              <a:t>또는 태그와 화면간의 간격</a:t>
-            </a:r>
-            <a:endParaRPr lang="en-US" altLang="ko-KR" sz="2400"/>
-          </a:p>
-        </p:txBody>
-      </p:sp>
-      <p:pic>
-        <p:nvPicPr>
-          <p:cNvPr id="5" name="그림 4">
-            <a:extLst>
-              <a:ext uri="{FF2B5EF4-FFF2-40B4-BE49-F238E27FC236}">
-                <a16:creationId xmlns:a16="http://schemas.microsoft.com/office/drawing/2014/main" id="{064D9407-3A0C-44AF-8F4E-20E6D004033C}"/>
-              </a:ext>
-            </a:extLst>
-          </p:cNvPr>
-          <p:cNvPicPr>
-            <a:picLocks noChangeAspect="1"/>
-          </p:cNvPicPr>
-          <p:nvPr/>
-        </p:nvPicPr>
-        <p:blipFill>
-          <a:blip r:embed="rId2"/>
-          <a:stretch>
-            <a:fillRect/>
-          </a:stretch>
-        </p:blipFill>
-        <p:spPr>
-          <a:xfrm>
-            <a:off x="7207037" y="2961314"/>
-            <a:ext cx="4639091" cy="3221591"/>
-          </a:xfrm>
-          <a:prstGeom prst="rect">
-            <a:avLst/>
-          </a:prstGeom>
-        </p:spPr>
-      </p:pic>
-    </p:spTree>
-    <p:extLst>
-      <p:ext uri="{BB962C8B-B14F-4D97-AF65-F5344CB8AC3E}">
-        <p14:creationId xmlns:p14="http://schemas.microsoft.com/office/powerpoint/2010/main" val="15672131"/>
-      </p:ext>
-    </p:extLst>
-  </p:cSld>
-  <p:clrMapOvr>
-    <a:masterClrMapping/>
-  </p:clrMapOvr>
-</p:sld>
-</file>
-
-<file path=ppt/slides/slide21.xml><?xml version="1.0" encoding="utf-8"?>
-<p:sld xmlns:a="http://schemas.openxmlformats.org/drawingml/2006/main" xmlns:r="http://schemas.openxmlformats.org/officeDocument/2006/relationships" xmlns:p="http://schemas.openxmlformats.org/presentationml/2006/main">
-  <p:cSld>
-    <p:spTree>
-      <p:nvGrpSpPr>
-        <p:cNvPr id="1" name=""/>
-        <p:cNvGrpSpPr/>
-        <p:nvPr/>
-      </p:nvGrpSpPr>
-      <p:grpSpPr>
-        <a:xfrm>
-          <a:off x="0" y="0"/>
-          <a:ext cx="0" cy="0"/>
-          <a:chOff x="0" y="0"/>
-          <a:chExt cx="0" cy="0"/>
-        </a:xfrm>
-      </p:grpSpPr>
-      <p:sp>
-        <p:nvSpPr>
-          <p:cNvPr id="3" name="내용 개체 틀 2">
-            <a:extLst>
-              <a:ext uri="{FF2B5EF4-FFF2-40B4-BE49-F238E27FC236}">
-                <a16:creationId xmlns:a16="http://schemas.microsoft.com/office/drawing/2014/main" id="{936E4CD2-E240-4C05-A072-9FCDED74C856}"/>
-              </a:ext>
-            </a:extLst>
-          </p:cNvPr>
-          <p:cNvSpPr>
-            <a:spLocks noGrp="1"/>
-          </p:cNvSpPr>
-          <p:nvPr>
-            <p:ph idx="1"/>
-          </p:nvPr>
-        </p:nvSpPr>
-        <p:spPr>
-          <a:xfrm>
-            <a:off x="8020078" y="1891309"/>
-            <a:ext cx="3662964" cy="2042336"/>
-          </a:xfrm>
-        </p:spPr>
-        <p:txBody>
-          <a:bodyPr>
-            <a:normAutofit/>
-          </a:bodyPr>
-          <a:lstStyle/>
-          <a:p>
-            <a:r>
-              <a:rPr lang="en-US" altLang="ko-KR" sz="1400"/>
-              <a:t>border</a:t>
-            </a:r>
-            <a:r>
-              <a:rPr lang="ko-KR" altLang="en-US" sz="1400"/>
-              <a:t>는 경계선</a:t>
-            </a:r>
-            <a:endParaRPr lang="en-US" altLang="ko-KR" sz="1400"/>
-          </a:p>
-          <a:p>
-            <a:r>
-              <a:rPr lang="en-US" altLang="ko-KR" sz="1400"/>
-              <a:t>margin</a:t>
-            </a:r>
-            <a:r>
-              <a:rPr lang="ko-KR" altLang="en-US" sz="1400"/>
-              <a:t>의 순서는</a:t>
-            </a:r>
-            <a:endParaRPr lang="en-US" altLang="ko-KR" sz="1400"/>
-          </a:p>
-          <a:p>
-            <a:pPr lvl="1"/>
-            <a:r>
-              <a:rPr lang="en-US" altLang="ko-KR" sz="1400"/>
-              <a:t>top</a:t>
-            </a:r>
-          </a:p>
-          <a:p>
-            <a:pPr lvl="1"/>
-            <a:r>
-              <a:rPr lang="en-US" altLang="ko-KR" sz="1400"/>
-              <a:t>right</a:t>
-            </a:r>
-          </a:p>
-          <a:p>
-            <a:pPr lvl="1"/>
-            <a:r>
-              <a:rPr lang="en-US" altLang="ko-KR" sz="1400"/>
-              <a:t>bottom</a:t>
-            </a:r>
-          </a:p>
-          <a:p>
-            <a:pPr lvl="1"/>
-            <a:r>
-              <a:rPr lang="en-US" altLang="ko-KR" sz="1400"/>
-              <a:t>left</a:t>
-            </a:r>
-          </a:p>
-          <a:p>
-            <a:r>
-              <a:rPr lang="ko-KR" altLang="en-US" sz="1400"/>
-              <a:t>즉</a:t>
-            </a:r>
-            <a:r>
-              <a:rPr lang="en-US" altLang="ko-KR" sz="1400"/>
-              <a:t>, </a:t>
-            </a:r>
-            <a:r>
-              <a:rPr lang="ko-KR" altLang="en-US" sz="1400"/>
-              <a:t>시계방향이며</a:t>
-            </a:r>
-            <a:r>
-              <a:rPr lang="en-US" altLang="ko-KR" sz="1400"/>
-              <a:t>, </a:t>
-            </a:r>
-            <a:r>
-              <a:rPr lang="ko-KR" altLang="en-US" sz="1400"/>
-              <a:t>분리해서 쓸수도 있다</a:t>
-            </a:r>
-            <a:r>
-              <a:rPr lang="en-US" altLang="ko-KR" sz="1400"/>
-              <a:t>.</a:t>
-            </a:r>
-          </a:p>
-        </p:txBody>
-      </p:sp>
-      <p:pic>
-        <p:nvPicPr>
-          <p:cNvPr id="5" name="그림 4">
-            <a:extLst>
-              <a:ext uri="{FF2B5EF4-FFF2-40B4-BE49-F238E27FC236}">
-                <a16:creationId xmlns:a16="http://schemas.microsoft.com/office/drawing/2014/main" id="{8EBC0B00-EEBB-4A3B-9FAD-80EE0EBB55D0}"/>
-              </a:ext>
-            </a:extLst>
-          </p:cNvPr>
-          <p:cNvPicPr>
-            <a:picLocks noChangeAspect="1"/>
-          </p:cNvPicPr>
-          <p:nvPr/>
-        </p:nvPicPr>
-        <p:blipFill>
-          <a:blip r:embed="rId2"/>
-          <a:stretch>
-            <a:fillRect/>
-          </a:stretch>
-        </p:blipFill>
-        <p:spPr>
-          <a:xfrm>
-            <a:off x="3002511" y="1823465"/>
-            <a:ext cx="4546373" cy="3433167"/>
-          </a:xfrm>
-          <a:prstGeom prst="rect">
-            <a:avLst/>
-          </a:prstGeom>
-        </p:spPr>
-      </p:pic>
-      <p:pic>
-        <p:nvPicPr>
-          <p:cNvPr id="7" name="그림 6">
-            <a:extLst>
-              <a:ext uri="{FF2B5EF4-FFF2-40B4-BE49-F238E27FC236}">
-                <a16:creationId xmlns:a16="http://schemas.microsoft.com/office/drawing/2014/main" id="{5F6F5C0C-35B7-43B1-8CCA-A9D5BEF532C0}"/>
-              </a:ext>
-            </a:extLst>
-          </p:cNvPr>
-          <p:cNvPicPr>
-            <a:picLocks noChangeAspect="1"/>
-          </p:cNvPicPr>
-          <p:nvPr/>
-        </p:nvPicPr>
-        <p:blipFill>
-          <a:blip r:embed="rId3"/>
-          <a:stretch>
-            <a:fillRect/>
-          </a:stretch>
-        </p:blipFill>
-        <p:spPr>
-          <a:xfrm>
-            <a:off x="419450" y="228068"/>
-            <a:ext cx="7033774" cy="1663241"/>
-          </a:xfrm>
-          <a:prstGeom prst="rect">
-            <a:avLst/>
-          </a:prstGeom>
-        </p:spPr>
-      </p:pic>
-      <p:pic>
-        <p:nvPicPr>
-          <p:cNvPr id="9" name="그림 8">
-            <a:extLst>
-              <a:ext uri="{FF2B5EF4-FFF2-40B4-BE49-F238E27FC236}">
-                <a16:creationId xmlns:a16="http://schemas.microsoft.com/office/drawing/2014/main" id="{7F9F53E1-5845-4030-8946-3E7AC2EB1713}"/>
-              </a:ext>
-            </a:extLst>
-          </p:cNvPr>
-          <p:cNvPicPr>
-            <a:picLocks noChangeAspect="1"/>
-          </p:cNvPicPr>
-          <p:nvPr/>
-        </p:nvPicPr>
-        <p:blipFill>
-          <a:blip r:embed="rId4"/>
-          <a:stretch>
-            <a:fillRect/>
-          </a:stretch>
-        </p:blipFill>
-        <p:spPr>
-          <a:xfrm>
-            <a:off x="483766" y="5188787"/>
-            <a:ext cx="4267200" cy="1590675"/>
-          </a:xfrm>
-          <a:prstGeom prst="rect">
-            <a:avLst/>
-          </a:prstGeom>
-        </p:spPr>
-      </p:pic>
-      <p:sp>
-        <p:nvSpPr>
-          <p:cNvPr id="12" name="TextBox 11">
-            <a:extLst>
-              <a:ext uri="{FF2B5EF4-FFF2-40B4-BE49-F238E27FC236}">
-                <a16:creationId xmlns:a16="http://schemas.microsoft.com/office/drawing/2014/main" id="{7915C8E0-020E-47D2-ACAB-D70ED0A556BE}"/>
-              </a:ext>
-            </a:extLst>
-          </p:cNvPr>
-          <p:cNvSpPr txBox="1"/>
-          <p:nvPr/>
-        </p:nvSpPr>
-        <p:spPr>
-          <a:xfrm>
-            <a:off x="483766" y="4748625"/>
-            <a:ext cx="697627" cy="369332"/>
-          </a:xfrm>
-          <a:prstGeom prst="rect">
-            <a:avLst/>
-          </a:prstGeom>
-          <a:noFill/>
-        </p:spPr>
-        <p:txBody>
-          <a:bodyPr wrap="none" rtlCol="0">
-            <a:spAutoFit/>
-          </a:bodyPr>
-          <a:lstStyle/>
-          <a:p>
-            <a:r>
-              <a:rPr lang="ko-KR" altLang="en-US"/>
-              <a:t>결과</a:t>
-            </a:r>
-            <a:r>
-              <a:rPr lang="en-US" altLang="ko-KR"/>
-              <a:t>:</a:t>
-            </a:r>
-            <a:endParaRPr lang="ko-KR" altLang="en-US"/>
-          </a:p>
-        </p:txBody>
-      </p:sp>
-      <p:sp>
-        <p:nvSpPr>
-          <p:cNvPr id="13" name="TextBox 12">
-            <a:extLst>
-              <a:ext uri="{FF2B5EF4-FFF2-40B4-BE49-F238E27FC236}">
-                <a16:creationId xmlns:a16="http://schemas.microsoft.com/office/drawing/2014/main" id="{F56C234A-0DEA-4849-9107-64294D40E7BD}"/>
-              </a:ext>
-            </a:extLst>
-          </p:cNvPr>
-          <p:cNvSpPr txBox="1"/>
-          <p:nvPr/>
-        </p:nvSpPr>
-        <p:spPr>
-          <a:xfrm>
-            <a:off x="5193103" y="5660958"/>
-            <a:ext cx="3927678" cy="646331"/>
-          </a:xfrm>
-          <a:prstGeom prst="rect">
-            <a:avLst/>
-          </a:prstGeom>
-          <a:noFill/>
-        </p:spPr>
-        <p:txBody>
-          <a:bodyPr wrap="none" rtlCol="0">
-            <a:spAutoFit/>
-          </a:bodyPr>
-          <a:lstStyle/>
-          <a:p>
-            <a:r>
-              <a:rPr lang="ko-KR" altLang="en-US"/>
-              <a:t>이 경우</a:t>
-            </a:r>
-            <a:r>
-              <a:rPr lang="en-US" altLang="ko-KR"/>
-              <a:t>, </a:t>
-            </a:r>
-            <a:r>
-              <a:rPr lang="ko-KR" altLang="en-US"/>
-              <a:t>마진 겹침 현상이 나타난다</a:t>
-            </a:r>
-            <a:r>
-              <a:rPr lang="en-US" altLang="ko-KR"/>
-              <a:t>.</a:t>
-            </a:r>
-          </a:p>
-          <a:p>
-            <a:r>
-              <a:rPr lang="ko-KR" altLang="en-US"/>
-              <a:t>마진이 큰 쪽의 태그를 따른다</a:t>
-            </a:r>
-            <a:r>
-              <a:rPr lang="en-US" altLang="ko-KR"/>
-              <a:t>.</a:t>
-            </a:r>
-            <a:endParaRPr lang="ko-KR" altLang="en-US"/>
-          </a:p>
-        </p:txBody>
-      </p:sp>
-    </p:spTree>
-    <p:extLst>
-      <p:ext uri="{BB962C8B-B14F-4D97-AF65-F5344CB8AC3E}">
-        <p14:creationId xmlns:p14="http://schemas.microsoft.com/office/powerpoint/2010/main" val="1087538866"/>
-      </p:ext>
-    </p:extLst>
-  </p:cSld>
-  <p:clrMapOvr>
-    <a:masterClrMapping/>
-  </p:clrMapOvr>
-</p:sld>
-</file>
-
-<file path=ppt/slides/slide22.xml><?xml version="1.0" encoding="utf-8"?>
-<p:sld xmlns:a="http://schemas.openxmlformats.org/drawingml/2006/main" xmlns:r="http://schemas.openxmlformats.org/officeDocument/2006/relationships" xmlns:p="http://schemas.openxmlformats.org/presentationml/2006/main">
-  <p:cSld>
-    <p:spTree>
-      <p:nvGrpSpPr>
-        <p:cNvPr id="1" name=""/>
-        <p:cNvGrpSpPr/>
-        <p:nvPr/>
-      </p:nvGrpSpPr>
-      <p:grpSpPr>
-        <a:xfrm>
-          <a:off x="0" y="0"/>
-          <a:ext cx="0" cy="0"/>
-          <a:chOff x="0" y="0"/>
-          <a:chExt cx="0" cy="0"/>
-        </a:xfrm>
-      </p:grpSpPr>
-      <p:sp>
-        <p:nvSpPr>
-          <p:cNvPr id="3" name="내용 개체 틀 2">
-            <a:extLst>
-              <a:ext uri="{FF2B5EF4-FFF2-40B4-BE49-F238E27FC236}">
-                <a16:creationId xmlns:a16="http://schemas.microsoft.com/office/drawing/2014/main" id="{00FD663F-E9E7-4EA5-BA07-4E48A2F90DF7}"/>
-              </a:ext>
-            </a:extLst>
-          </p:cNvPr>
-          <p:cNvSpPr>
-            <a:spLocks noGrp="1"/>
-          </p:cNvSpPr>
-          <p:nvPr>
-            <p:ph idx="1"/>
-          </p:nvPr>
-        </p:nvSpPr>
-        <p:spPr>
-          <a:xfrm>
-            <a:off x="4992280" y="5939250"/>
-            <a:ext cx="6911699" cy="640050"/>
-          </a:xfrm>
-        </p:spPr>
-        <p:txBody>
-          <a:bodyPr>
-            <a:normAutofit fontScale="85000" lnSpcReduction="10000"/>
-          </a:bodyPr>
-          <a:lstStyle/>
-          <a:p>
-            <a:r>
-              <a:rPr lang="ko-KR" altLang="en-US"/>
-              <a:t>즉</a:t>
-            </a:r>
-            <a:r>
-              <a:rPr lang="en-US" altLang="ko-KR"/>
-              <a:t>, </a:t>
-            </a:r>
-            <a:r>
-              <a:rPr lang="ko-KR" altLang="en-US"/>
-              <a:t>패딩은 태그의 보더와 컨텐츠와의 간격이다</a:t>
-            </a:r>
-            <a:r>
-              <a:rPr lang="en-US" altLang="ko-KR"/>
-              <a:t>.</a:t>
-            </a:r>
-            <a:endParaRPr lang="ko-KR" altLang="en-US"/>
-          </a:p>
-        </p:txBody>
-      </p:sp>
-      <p:pic>
-        <p:nvPicPr>
-          <p:cNvPr id="5" name="그림 4">
-            <a:extLst>
-              <a:ext uri="{FF2B5EF4-FFF2-40B4-BE49-F238E27FC236}">
-                <a16:creationId xmlns:a16="http://schemas.microsoft.com/office/drawing/2014/main" id="{F87D31F1-A0DB-4103-A063-2670E7B260FC}"/>
-              </a:ext>
-            </a:extLst>
-          </p:cNvPr>
-          <p:cNvPicPr>
-            <a:picLocks noChangeAspect="1"/>
-          </p:cNvPicPr>
-          <p:nvPr/>
-        </p:nvPicPr>
-        <p:blipFill>
-          <a:blip r:embed="rId2"/>
-          <a:stretch>
-            <a:fillRect/>
-          </a:stretch>
-        </p:blipFill>
-        <p:spPr>
-          <a:xfrm>
-            <a:off x="389539" y="369332"/>
-            <a:ext cx="10032855" cy="1367406"/>
-          </a:xfrm>
-          <a:prstGeom prst="rect">
-            <a:avLst/>
-          </a:prstGeom>
-        </p:spPr>
-      </p:pic>
-      <p:pic>
-        <p:nvPicPr>
-          <p:cNvPr id="7" name="그림 6">
-            <a:extLst>
-              <a:ext uri="{FF2B5EF4-FFF2-40B4-BE49-F238E27FC236}">
-                <a16:creationId xmlns:a16="http://schemas.microsoft.com/office/drawing/2014/main" id="{01A44132-FB65-4DF2-BF08-1D48A2C18CBE}"/>
-              </a:ext>
-            </a:extLst>
-          </p:cNvPr>
-          <p:cNvPicPr>
-            <a:picLocks noChangeAspect="1"/>
-          </p:cNvPicPr>
-          <p:nvPr/>
-        </p:nvPicPr>
-        <p:blipFill>
-          <a:blip r:embed="rId3"/>
-          <a:stretch>
-            <a:fillRect/>
-          </a:stretch>
-        </p:blipFill>
-        <p:spPr>
-          <a:xfrm>
-            <a:off x="2211373" y="2214032"/>
-            <a:ext cx="5405967" cy="2050089"/>
-          </a:xfrm>
-          <a:prstGeom prst="rect">
-            <a:avLst/>
-          </a:prstGeom>
-        </p:spPr>
-      </p:pic>
-      <p:pic>
-        <p:nvPicPr>
-          <p:cNvPr id="9" name="그림 8">
-            <a:extLst>
-              <a:ext uri="{FF2B5EF4-FFF2-40B4-BE49-F238E27FC236}">
-                <a16:creationId xmlns:a16="http://schemas.microsoft.com/office/drawing/2014/main" id="{1079AFB4-1E45-46F0-977D-D049C5D001C4}"/>
-              </a:ext>
-            </a:extLst>
-          </p:cNvPr>
-          <p:cNvPicPr>
-            <a:picLocks noChangeAspect="1"/>
-          </p:cNvPicPr>
-          <p:nvPr/>
-        </p:nvPicPr>
-        <p:blipFill>
-          <a:blip r:embed="rId4"/>
-          <a:stretch>
-            <a:fillRect/>
-          </a:stretch>
-        </p:blipFill>
-        <p:spPr>
-          <a:xfrm>
-            <a:off x="352643" y="5620468"/>
-            <a:ext cx="4238625" cy="1123950"/>
-          </a:xfrm>
-          <a:prstGeom prst="rect">
-            <a:avLst/>
-          </a:prstGeom>
-        </p:spPr>
-      </p:pic>
-      <p:sp>
-        <p:nvSpPr>
-          <p:cNvPr id="10" name="TextBox 9">
-            <a:extLst>
-              <a:ext uri="{FF2B5EF4-FFF2-40B4-BE49-F238E27FC236}">
-                <a16:creationId xmlns:a16="http://schemas.microsoft.com/office/drawing/2014/main" id="{B9DCDB54-3C8E-48F3-87F7-AA0CC325EB51}"/>
-              </a:ext>
-            </a:extLst>
-          </p:cNvPr>
-          <p:cNvSpPr txBox="1"/>
-          <p:nvPr/>
-        </p:nvSpPr>
-        <p:spPr>
-          <a:xfrm>
-            <a:off x="352643" y="4973056"/>
-            <a:ext cx="697627" cy="369332"/>
-          </a:xfrm>
-          <a:prstGeom prst="rect">
-            <a:avLst/>
-          </a:prstGeom>
-          <a:noFill/>
-        </p:spPr>
-        <p:txBody>
-          <a:bodyPr wrap="none" rtlCol="0">
-            <a:spAutoFit/>
-          </a:bodyPr>
-          <a:lstStyle/>
-          <a:p>
-            <a:r>
-              <a:rPr lang="ko-KR" altLang="en-US"/>
-              <a:t>결과</a:t>
-            </a:r>
-            <a:r>
-              <a:rPr lang="en-US" altLang="ko-KR"/>
-              <a:t>:</a:t>
-            </a:r>
-            <a:endParaRPr lang="ko-KR" altLang="en-US"/>
-          </a:p>
-        </p:txBody>
-      </p:sp>
-    </p:spTree>
-    <p:extLst>
-      <p:ext uri="{BB962C8B-B14F-4D97-AF65-F5344CB8AC3E}">
-        <p14:creationId xmlns:p14="http://schemas.microsoft.com/office/powerpoint/2010/main" val="1024988059"/>
-      </p:ext>
-    </p:extLst>
-  </p:cSld>
-  <p:clrMapOvr>
-    <a:masterClrMapping/>
-  </p:clrMapOvr>
-</p:sld>
-</file>
-
-<file path=ppt/slides/slide23.xml><?xml version="1.0" encoding="utf-8"?>
-<p:sld xmlns:a="http://schemas.openxmlformats.org/drawingml/2006/main" xmlns:r="http://schemas.openxmlformats.org/officeDocument/2006/relationships" xmlns:p="http://schemas.openxmlformats.org/presentationml/2006/main">
-  <p:cSld>
-    <p:spTree>
-      <p:nvGrpSpPr>
-        <p:cNvPr id="1" name=""/>
-        <p:cNvGrpSpPr/>
-        <p:nvPr/>
-      </p:nvGrpSpPr>
-      <p:grpSpPr>
-        <a:xfrm>
-          <a:off x="0" y="0"/>
-          <a:ext cx="0" cy="0"/>
-          <a:chOff x="0" y="0"/>
-          <a:chExt cx="0" cy="0"/>
-        </a:xfrm>
-      </p:grpSpPr>
-      <p:sp>
-        <p:nvSpPr>
-          <p:cNvPr id="2" name="제목 1">
-            <a:extLst>
-              <a:ext uri="{FF2B5EF4-FFF2-40B4-BE49-F238E27FC236}">
-                <a16:creationId xmlns:a16="http://schemas.microsoft.com/office/drawing/2014/main" id="{C656C4C2-8E1B-4E36-B665-84F56E579C1F}"/>
-              </a:ext>
-            </a:extLst>
-          </p:cNvPr>
-          <p:cNvSpPr>
-            <a:spLocks noGrp="1"/>
-          </p:cNvSpPr>
-          <p:nvPr>
-            <p:ph type="title"/>
-          </p:nvPr>
-        </p:nvSpPr>
-        <p:spPr/>
-        <p:txBody>
-          <a:bodyPr/>
-          <a:lstStyle/>
-          <a:p>
-            <a:r>
-              <a:rPr lang="en-US" altLang="ko-KR"/>
-              <a:t>background-color</a:t>
-            </a:r>
-            <a:endParaRPr lang="ko-KR" altLang="en-US"/>
-          </a:p>
-        </p:txBody>
-      </p:sp>
-      <p:sp>
-        <p:nvSpPr>
-          <p:cNvPr id="3" name="내용 개체 틀 2">
-            <a:extLst>
-              <a:ext uri="{FF2B5EF4-FFF2-40B4-BE49-F238E27FC236}">
-                <a16:creationId xmlns:a16="http://schemas.microsoft.com/office/drawing/2014/main" id="{4503EE91-BB56-4FC8-80C5-B4ADCCFA97A8}"/>
-              </a:ext>
-            </a:extLst>
-          </p:cNvPr>
-          <p:cNvSpPr>
-            <a:spLocks noGrp="1"/>
-          </p:cNvSpPr>
-          <p:nvPr>
-            <p:ph idx="1"/>
-          </p:nvPr>
-        </p:nvSpPr>
-        <p:spPr/>
-        <p:txBody>
-          <a:bodyPr/>
-          <a:lstStyle/>
-          <a:p>
-            <a:r>
-              <a:rPr lang="ko-KR" altLang="en-US"/>
-              <a:t>태그를 채우는 색을 넣을수도 있다</a:t>
-            </a:r>
-            <a:r>
-              <a:rPr lang="en-US" altLang="ko-KR"/>
-              <a:t>.</a:t>
-            </a:r>
-            <a:endParaRPr lang="ko-KR" altLang="en-US"/>
-          </a:p>
-        </p:txBody>
-      </p:sp>
-      <p:pic>
-        <p:nvPicPr>
-          <p:cNvPr id="5" name="그림 4">
-            <a:extLst>
-              <a:ext uri="{FF2B5EF4-FFF2-40B4-BE49-F238E27FC236}">
-                <a16:creationId xmlns:a16="http://schemas.microsoft.com/office/drawing/2014/main" id="{A39C6741-933A-4B8F-AA17-9658A9D90771}"/>
-              </a:ext>
-            </a:extLst>
-          </p:cNvPr>
-          <p:cNvPicPr>
-            <a:picLocks noChangeAspect="1"/>
-          </p:cNvPicPr>
-          <p:nvPr/>
-        </p:nvPicPr>
-        <p:blipFill>
-          <a:blip r:embed="rId2"/>
-          <a:stretch>
-            <a:fillRect/>
-          </a:stretch>
-        </p:blipFill>
-        <p:spPr>
-          <a:xfrm>
-            <a:off x="1081481" y="2840073"/>
-            <a:ext cx="5453543" cy="2020557"/>
-          </a:xfrm>
-          <a:prstGeom prst="rect">
-            <a:avLst/>
-          </a:prstGeom>
-        </p:spPr>
-      </p:pic>
-      <p:sp>
-        <p:nvSpPr>
-          <p:cNvPr id="6" name="직사각형 5">
-            <a:extLst>
-              <a:ext uri="{FF2B5EF4-FFF2-40B4-BE49-F238E27FC236}">
-                <a16:creationId xmlns:a16="http://schemas.microsoft.com/office/drawing/2014/main" id="{36D63980-D729-4090-A04D-035AF17DE0AC}"/>
-              </a:ext>
-            </a:extLst>
-          </p:cNvPr>
-          <p:cNvSpPr/>
-          <p:nvPr/>
-        </p:nvSpPr>
-        <p:spPr>
-          <a:xfrm>
-            <a:off x="1451295" y="4001294"/>
-            <a:ext cx="4546833" cy="428093"/>
-          </a:xfrm>
-          <a:prstGeom prst="rect">
-            <a:avLst/>
-          </a:prstGeom>
-          <a:noFill/>
-        </p:spPr>
-        <p:style>
-          <a:lnRef idx="2">
-            <a:schemeClr val="accent1">
-              <a:shade val="50000"/>
-            </a:schemeClr>
-          </a:lnRef>
-          <a:fillRef idx="1">
-            <a:schemeClr val="accent1"/>
-          </a:fillRef>
-          <a:effectRef idx="0">
-            <a:schemeClr val="accent1"/>
-          </a:effectRef>
-          <a:fontRef idx="minor">
-            <a:schemeClr val="lt1"/>
-          </a:fontRef>
-        </p:style>
-        <p:txBody>
-          <a:bodyPr rtlCol="0" anchor="ctr"/>
-          <a:lstStyle/>
-          <a:p>
-            <a:pPr algn="ctr"/>
-            <a:endParaRPr lang="ko-KR" altLang="en-US"/>
-          </a:p>
-        </p:txBody>
-      </p:sp>
-      <p:pic>
-        <p:nvPicPr>
-          <p:cNvPr id="8" name="그림 7">
-            <a:extLst>
-              <a:ext uri="{FF2B5EF4-FFF2-40B4-BE49-F238E27FC236}">
-                <a16:creationId xmlns:a16="http://schemas.microsoft.com/office/drawing/2014/main" id="{EF38E4AB-AF96-46F2-A57C-A5C802646945}"/>
-              </a:ext>
-            </a:extLst>
-          </p:cNvPr>
-          <p:cNvPicPr>
-            <a:picLocks noChangeAspect="1"/>
-          </p:cNvPicPr>
-          <p:nvPr/>
-        </p:nvPicPr>
-        <p:blipFill>
-          <a:blip r:embed="rId3"/>
-          <a:stretch>
-            <a:fillRect/>
-          </a:stretch>
-        </p:blipFill>
-        <p:spPr>
-          <a:xfrm>
-            <a:off x="7265172" y="5012929"/>
-            <a:ext cx="4238625" cy="828675"/>
-          </a:xfrm>
-          <a:prstGeom prst="rect">
-            <a:avLst/>
-          </a:prstGeom>
-        </p:spPr>
-      </p:pic>
-    </p:spTree>
-    <p:extLst>
-      <p:ext uri="{BB962C8B-B14F-4D97-AF65-F5344CB8AC3E}">
-        <p14:creationId xmlns:p14="http://schemas.microsoft.com/office/powerpoint/2010/main" val="3886089129"/>
-      </p:ext>
-    </p:extLst>
-  </p:cSld>
-  <p:clrMapOvr>
-    <a:masterClrMapping/>
-  </p:clrMapOvr>
-</p:sld>
-</file>
-
 <file path=ppt/slides/slide3.xml><?xml version="1.0" encoding="utf-8"?>
 <p:sld xmlns:a="http://schemas.openxmlformats.org/drawingml/2006/main" xmlns:r="http://schemas.openxmlformats.org/officeDocument/2006/relationships" xmlns:p="http://schemas.openxmlformats.org/presentationml/2006/main">
   <p:cSld>
